--- a/03-lecture-git-internals/slides/03-lecture-git-internals.pptx
+++ b/03-lecture-git-internals/slides/03-lecture-git-internals.pptx
@@ -769,125 +769,6 @@
               <a:rPr kumimoji="1" lang="en-US" altLang="ja-JP" sz="1400" dirty="0"/>
               <a:t>37</a:t>
             </a:r>
-          </a:p>
-        </p:txBody>
-      </p:sp>
-      <p:sp>
-        <p:nvSpPr>
-          <p:cNvPr id="4" name="テキスト ボックス 3">
-            <a:extLst>
-              <a:ext uri="{FF2B5EF4-FFF2-40B4-BE49-F238E27FC236}">
-                <a16:creationId xmlns:a16="http://schemas.microsoft.com/office/drawing/2014/main" id="{93FEAFB5-F783-47D3-D8DC-2A8CA507C408}"/>
-              </a:ext>
-            </a:extLst>
-          </p:cNvPr>
-          <p:cNvSpPr txBox="1"/>
-          <p:nvPr userDrawn="1"/>
-        </p:nvSpPr>
-        <p:spPr>
-          <a:xfrm>
-            <a:off x="0" y="0"/>
-            <a:ext cx="2996333" cy="307777"/>
-          </a:xfrm>
-          <a:prstGeom prst="rect">
-            <a:avLst/>
-          </a:prstGeom>
-          <a:noFill/>
-        </p:spPr>
-        <p:txBody>
-          <a:bodyPr wrap="none" rtlCol="0">
-            <a:spAutoFit/>
-          </a:bodyPr>
-          <a:lstStyle/>
-          <a:p>
-            <a:r>
-              <a:rPr lang="ja-JP" altLang="en-US" sz="1400">
-                <a:solidFill>
-                  <a:schemeClr val="bg1">
-                    <a:lumMod val="50000"/>
-                  </a:schemeClr>
-                </a:solidFill>
-              </a:rPr>
-              <a:t>計算物理屋のための</a:t>
-            </a:r>
-            <a:r>
-              <a:rPr lang="en-US" altLang="ja-JP" sz="1400" dirty="0">
-                <a:solidFill>
-                  <a:schemeClr val="bg1">
-                    <a:lumMod val="50000"/>
-                  </a:schemeClr>
-                </a:solidFill>
-              </a:rPr>
-              <a:t>Git/GitHub</a:t>
-            </a:r>
-            <a:r>
-              <a:rPr lang="ja-JP" altLang="en-US" sz="1400">
-                <a:solidFill>
-                  <a:schemeClr val="bg1">
-                    <a:lumMod val="50000"/>
-                  </a:schemeClr>
-                </a:solidFill>
-              </a:rPr>
-              <a:t>入門</a:t>
-            </a:r>
-          </a:p>
-        </p:txBody>
-      </p:sp>
-      <p:sp>
-        <p:nvSpPr>
-          <p:cNvPr id="5" name="テキスト ボックス 4">
-            <a:extLst>
-              <a:ext uri="{FF2B5EF4-FFF2-40B4-BE49-F238E27FC236}">
-                <a16:creationId xmlns:a16="http://schemas.microsoft.com/office/drawing/2014/main" id="{84688697-CCF4-666D-9CA7-40FBCDCD3102}"/>
-              </a:ext>
-            </a:extLst>
-          </p:cNvPr>
-          <p:cNvSpPr txBox="1"/>
-          <p:nvPr userDrawn="1"/>
-        </p:nvSpPr>
-        <p:spPr>
-          <a:xfrm>
-            <a:off x="7209183" y="-8647"/>
-            <a:ext cx="2018501" cy="307777"/>
-          </a:xfrm>
-          <a:prstGeom prst="rect">
-            <a:avLst/>
-          </a:prstGeom>
-          <a:noFill/>
-        </p:spPr>
-        <p:txBody>
-          <a:bodyPr wrap="none" rtlCol="0">
-            <a:spAutoFit/>
-          </a:bodyPr>
-          <a:lstStyle/>
-          <a:p>
-            <a:r>
-              <a:rPr lang="ja-JP" altLang="en-US" sz="1400">
-                <a:solidFill>
-                  <a:schemeClr val="bg1">
-                    <a:lumMod val="50000"/>
-                  </a:schemeClr>
-                </a:solidFill>
-              </a:rPr>
-              <a:t>計算物理春の学校</a:t>
-            </a:r>
-            <a:r>
-              <a:rPr lang="en-US" altLang="ja-JP" sz="1400" dirty="0">
-                <a:solidFill>
-                  <a:schemeClr val="bg1">
-                    <a:lumMod val="50000"/>
-                  </a:schemeClr>
-                </a:solidFill>
-              </a:rPr>
-              <a:t>2026</a:t>
-            </a:r>
-            <a:endParaRPr lang="ja-JP" altLang="en-US" sz="1400">
-              <a:solidFill>
-                <a:schemeClr val="bg1">
-                  <a:lumMod val="50000"/>
-                </a:schemeClr>
-              </a:solidFill>
-            </a:endParaRPr>
           </a:p>
         </p:txBody>
       </p:sp>
@@ -1407,6 +1288,85 @@
               <a:t>渡辺</a:t>
             </a:r>
             <a:endParaRPr lang="en-US" altLang="ja-JP" sz="2400" dirty="0"/>
+          </a:p>
+        </p:txBody>
+      </p:sp>
+      <p:sp>
+        <p:nvSpPr>
+          <p:cNvPr id="2" name="テキスト ボックス 1">
+            <a:extLst>
+              <a:ext uri="{FF2B5EF4-FFF2-40B4-BE49-F238E27FC236}">
+                <a16:creationId xmlns:a16="http://schemas.microsoft.com/office/drawing/2014/main" id="{1263F11B-ECAC-CD5E-7982-DF442EA5A0D6}"/>
+              </a:ext>
+            </a:extLst>
+          </p:cNvPr>
+          <p:cNvSpPr txBox="1"/>
+          <p:nvPr/>
+        </p:nvSpPr>
+        <p:spPr>
+          <a:xfrm>
+            <a:off x="0" y="6519446"/>
+            <a:ext cx="7263527" cy="338554"/>
+          </a:xfrm>
+          <a:prstGeom prst="rect">
+            <a:avLst/>
+          </a:prstGeom>
+          <a:noFill/>
+        </p:spPr>
+        <p:txBody>
+          <a:bodyPr wrap="none" rtlCol="0">
+            <a:spAutoFit/>
+          </a:bodyPr>
+          <a:lstStyle/>
+          <a:p>
+            <a:r>
+              <a:rPr kumimoji="1" lang="en-US" altLang="ja-JP" sz="1600" dirty="0"/>
+              <a:t>2026</a:t>
+            </a:r>
+            <a:r>
+              <a:rPr kumimoji="1" lang="ja-JP" altLang="en-US" sz="1600"/>
+              <a:t>年</a:t>
+            </a:r>
+            <a:r>
+              <a:rPr kumimoji="1" lang="en-US" altLang="ja-JP" sz="1600" dirty="0"/>
+              <a:t>3</a:t>
+            </a:r>
+            <a:r>
+              <a:rPr kumimoji="1" lang="ja-JP" altLang="en-US" sz="1600"/>
+              <a:t>月</a:t>
+            </a:r>
+            <a:r>
+              <a:rPr kumimoji="1" lang="en-US" altLang="ja-JP" sz="1600" dirty="0"/>
+              <a:t>9</a:t>
+            </a:r>
+            <a:r>
+              <a:rPr kumimoji="1" lang="ja-JP" altLang="en-US" sz="1600"/>
+              <a:t>日</a:t>
+            </a:r>
+            <a:r>
+              <a:rPr kumimoji="1" lang="en-US" altLang="ja-JP" sz="1600" dirty="0"/>
+              <a:t> </a:t>
+            </a:r>
+            <a:r>
+              <a:rPr kumimoji="1" lang="ja-JP" altLang="en-US" sz="1600"/>
+              <a:t>計算物理春の学校</a:t>
+            </a:r>
+            <a:r>
+              <a:rPr kumimoji="1" lang="en-US" altLang="ja-JP" sz="1600" dirty="0"/>
+              <a:t>2026</a:t>
+            </a:r>
+            <a:r>
+              <a:rPr kumimoji="1" lang="ja-JP" altLang="en-US" sz="1600"/>
+              <a:t>「計算物理屋のための</a:t>
+            </a:r>
+            <a:r>
+              <a:rPr kumimoji="1" lang="en-US" altLang="ja-JP" sz="1600" dirty="0"/>
+              <a:t>Git/GitHub</a:t>
+            </a:r>
+            <a:r>
+              <a:rPr kumimoji="1" lang="ja-JP" altLang="en-US" sz="1600"/>
+              <a:t>入門」</a:t>
+            </a:r>
           </a:p>
         </p:txBody>
       </p:sp>
